--- a/Share/每周命题游戏设计/葛美玲/香烟.pptx
+++ b/Share/每周命题游戏设计/葛美玲/香烟.pptx
@@ -8949,7 +8949,7 @@
             <a:pPr algn="ctr"/>
             <a:r>
               <a:rPr lang="zh-CN" altLang="en-US" dirty="0"/>
-              <a:t>失败</a:t>
+              <a:t>成功</a:t>
             </a:r>
           </a:p>
         </p:txBody>
